--- a/docs/Mockup for signin and signup.pptx
+++ b/docs/Mockup for signin and signup.pptx
@@ -260,7 +260,7 @@
           <a:p>
             <a:fld id="{AEFE8B58-F3D7-40E7-8E57-41C8C65D4538}" type="datetimeFigureOut">
               <a:rPr lang="en-US" smtClean="0"/>
-              <a:t>11/26/2021</a:t>
+              <a:t>11/29/2021</a:t>
             </a:fld>
             <a:endParaRPr lang="en-US"/>
           </a:p>
@@ -458,7 +458,7 @@
           <a:p>
             <a:fld id="{AEFE8B58-F3D7-40E7-8E57-41C8C65D4538}" type="datetimeFigureOut">
               <a:rPr lang="en-US" smtClean="0"/>
-              <a:t>11/26/2021</a:t>
+              <a:t>11/29/2021</a:t>
             </a:fld>
             <a:endParaRPr lang="en-US"/>
           </a:p>
@@ -666,7 +666,7 @@
           <a:p>
             <a:fld id="{AEFE8B58-F3D7-40E7-8E57-41C8C65D4538}" type="datetimeFigureOut">
               <a:rPr lang="en-US" smtClean="0"/>
-              <a:t>11/26/2021</a:t>
+              <a:t>11/29/2021</a:t>
             </a:fld>
             <a:endParaRPr lang="en-US"/>
           </a:p>
@@ -864,7 +864,7 @@
           <a:p>
             <a:fld id="{AEFE8B58-F3D7-40E7-8E57-41C8C65D4538}" type="datetimeFigureOut">
               <a:rPr lang="en-US" smtClean="0"/>
-              <a:t>11/26/2021</a:t>
+              <a:t>11/29/2021</a:t>
             </a:fld>
             <a:endParaRPr lang="en-US"/>
           </a:p>
@@ -1139,7 +1139,7 @@
           <a:p>
             <a:fld id="{AEFE8B58-F3D7-40E7-8E57-41C8C65D4538}" type="datetimeFigureOut">
               <a:rPr lang="en-US" smtClean="0"/>
-              <a:t>11/26/2021</a:t>
+              <a:t>11/29/2021</a:t>
             </a:fld>
             <a:endParaRPr lang="en-US"/>
           </a:p>
@@ -1404,7 +1404,7 @@
           <a:p>
             <a:fld id="{AEFE8B58-F3D7-40E7-8E57-41C8C65D4538}" type="datetimeFigureOut">
               <a:rPr lang="en-US" smtClean="0"/>
-              <a:t>11/26/2021</a:t>
+              <a:t>11/29/2021</a:t>
             </a:fld>
             <a:endParaRPr lang="en-US"/>
           </a:p>
@@ -1816,7 +1816,7 @@
           <a:p>
             <a:fld id="{AEFE8B58-F3D7-40E7-8E57-41C8C65D4538}" type="datetimeFigureOut">
               <a:rPr lang="en-US" smtClean="0"/>
-              <a:t>11/26/2021</a:t>
+              <a:t>11/29/2021</a:t>
             </a:fld>
             <a:endParaRPr lang="en-US"/>
           </a:p>
@@ -1957,7 +1957,7 @@
           <a:p>
             <a:fld id="{AEFE8B58-F3D7-40E7-8E57-41C8C65D4538}" type="datetimeFigureOut">
               <a:rPr lang="en-US" smtClean="0"/>
-              <a:t>11/26/2021</a:t>
+              <a:t>11/29/2021</a:t>
             </a:fld>
             <a:endParaRPr lang="en-US"/>
           </a:p>
@@ -2070,7 +2070,7 @@
           <a:p>
             <a:fld id="{AEFE8B58-F3D7-40E7-8E57-41C8C65D4538}" type="datetimeFigureOut">
               <a:rPr lang="en-US" smtClean="0"/>
-              <a:t>11/26/2021</a:t>
+              <a:t>11/29/2021</a:t>
             </a:fld>
             <a:endParaRPr lang="en-US"/>
           </a:p>
@@ -2381,7 +2381,7 @@
           <a:p>
             <a:fld id="{AEFE8B58-F3D7-40E7-8E57-41C8C65D4538}" type="datetimeFigureOut">
               <a:rPr lang="en-US" smtClean="0"/>
-              <a:t>11/26/2021</a:t>
+              <a:t>11/29/2021</a:t>
             </a:fld>
             <a:endParaRPr lang="en-US"/>
           </a:p>
@@ -2669,7 +2669,7 @@
           <a:p>
             <a:fld id="{AEFE8B58-F3D7-40E7-8E57-41C8C65D4538}" type="datetimeFigureOut">
               <a:rPr lang="en-US" smtClean="0"/>
-              <a:t>11/26/2021</a:t>
+              <a:t>11/29/2021</a:t>
             </a:fld>
             <a:endParaRPr lang="en-US"/>
           </a:p>
@@ -2910,7 +2910,7 @@
           <a:p>
             <a:fld id="{AEFE8B58-F3D7-40E7-8E57-41C8C65D4538}" type="datetimeFigureOut">
               <a:rPr lang="en-US" smtClean="0"/>
-              <a:t>11/26/2021</a:t>
+              <a:t>11/29/2021</a:t>
             </a:fld>
             <a:endParaRPr lang="en-US"/>
           </a:p>
@@ -3329,10 +3329,10 @@
       </p:grpSpPr>
       <p:pic>
         <p:nvPicPr>
-          <p:cNvPr id="5" name="Picture 4">
-            <a:extLst>
-              <a:ext uri="{FF2B5EF4-FFF2-40B4-BE49-F238E27FC236}">
-                <a16:creationId xmlns:a16="http://schemas.microsoft.com/office/drawing/2014/main" id="{A219FAE4-4C43-457F-867A-B3286E1A57EF}"/>
+          <p:cNvPr id="3" name="Picture 2">
+            <a:extLst>
+              <a:ext uri="{FF2B5EF4-FFF2-40B4-BE49-F238E27FC236}">
+                <a16:creationId xmlns:a16="http://schemas.microsoft.com/office/drawing/2014/main" id="{AF89FC62-E599-41D5-B699-435861D92686}"/>
               </a:ext>
             </a:extLst>
           </p:cNvPr>
@@ -3342,21 +3342,15 @@
           <p:nvPr/>
         </p:nvPicPr>
         <p:blipFill>
-          <a:blip r:embed="rId2">
-            <a:extLst>
-              <a:ext uri="{28A0092B-C50C-407E-A947-70E740481C1C}">
-                <a14:useLocalDpi xmlns:a14="http://schemas.microsoft.com/office/drawing/2010/main" val="0"/>
-              </a:ext>
-            </a:extLst>
-          </a:blip>
+          <a:blip r:embed="rId2"/>
           <a:stretch>
             <a:fillRect/>
           </a:stretch>
         </p:blipFill>
         <p:spPr>
           <a:xfrm>
-            <a:off x="0" y="77074"/>
-            <a:ext cx="12192000" cy="6703852"/>
+            <a:off x="341085" y="608596"/>
+            <a:ext cx="11509829" cy="5640808"/>
           </a:xfrm>
           <a:prstGeom prst="rect">
             <a:avLst/>
@@ -3395,10 +3389,10 @@
       </p:grpSpPr>
       <p:pic>
         <p:nvPicPr>
-          <p:cNvPr id="5" name="Picture 4">
-            <a:extLst>
-              <a:ext uri="{FF2B5EF4-FFF2-40B4-BE49-F238E27FC236}">
-                <a16:creationId xmlns:a16="http://schemas.microsoft.com/office/drawing/2014/main" id="{EFD0C7CF-6DA7-4C46-8FD6-95898C79E3AF}"/>
+          <p:cNvPr id="3" name="Picture 2">
+            <a:extLst>
+              <a:ext uri="{FF2B5EF4-FFF2-40B4-BE49-F238E27FC236}">
+                <a16:creationId xmlns:a16="http://schemas.microsoft.com/office/drawing/2014/main" id="{F5611A41-9B52-43A0-A703-2D7CFA6F897C}"/>
               </a:ext>
             </a:extLst>
           </p:cNvPr>
@@ -3408,21 +3402,15 @@
           <p:nvPr/>
         </p:nvPicPr>
         <p:blipFill>
-          <a:blip r:embed="rId2">
-            <a:extLst>
-              <a:ext uri="{28A0092B-C50C-407E-A947-70E740481C1C}">
-                <a14:useLocalDpi xmlns:a14="http://schemas.microsoft.com/office/drawing/2010/main" val="0"/>
-              </a:ext>
-            </a:extLst>
-          </a:blip>
+          <a:blip r:embed="rId2"/>
           <a:stretch>
             <a:fillRect/>
           </a:stretch>
         </p:blipFill>
         <p:spPr>
           <a:xfrm>
-            <a:off x="0" y="77074"/>
-            <a:ext cx="12192000" cy="6703852"/>
+            <a:off x="251046" y="617521"/>
+            <a:ext cx="11689908" cy="5391393"/>
           </a:xfrm>
           <a:prstGeom prst="rect">
             <a:avLst/>
